--- a/docs/Diennea_Olivelli_ApacheCon16.pptx
+++ b/docs/Diennea_Olivelli_ApacheCon16.pptx
@@ -234,7 +234,7 @@
           <a:p>
             <a:fld id="{AAFF5F95-6AFB-4DD5-9965-0C55D2DA4441}" type="datetimeFigureOut">
               <a:rPr lang="it-IT" smtClean="0"/>
-              <a:t>06/09/2016</a:t>
+              <a:t>08/09/2016</a:t>
             </a:fld>
             <a:endParaRPr lang="it-IT"/>
           </a:p>
@@ -400,7 +400,7 @@
           <a:p>
             <a:fld id="{FB027185-10FB-4A57-B3F0-45136A811A24}" type="datetimeFigureOut">
               <a:rPr lang="uk-UA" smtClean="0"/>
-              <a:t>06.09.2016</a:t>
+              <a:t>08.09.2016</a:t>
             </a:fld>
             <a:endParaRPr lang="uk-UA"/>
           </a:p>
@@ -12551,7 +12551,7 @@
           <a:p>
             <a:fld id="{CAB7DE5C-EB14-422A-BAF5-085EC2B9B46E}" type="datetimeFigureOut">
               <a:rPr lang="fr-FR" smtClean="0"/>
-              <a:t>06/09/2016</a:t>
+              <a:t>08/09/2016</a:t>
             </a:fld>
             <a:endParaRPr lang="fr-FR"/>
           </a:p>
@@ -12721,7 +12721,7 @@
           <a:p>
             <a:fld id="{CAB7DE5C-EB14-422A-BAF5-085EC2B9B46E}" type="datetimeFigureOut">
               <a:rPr lang="fr-FR" smtClean="0"/>
-              <a:t>06/09/2016</a:t>
+              <a:t>08/09/2016</a:t>
             </a:fld>
             <a:endParaRPr lang="fr-FR"/>
           </a:p>
@@ -12967,7 +12967,7 @@
           <a:p>
             <a:fld id="{CAB7DE5C-EB14-422A-BAF5-085EC2B9B46E}" type="datetimeFigureOut">
               <a:rPr lang="fr-FR" smtClean="0"/>
-              <a:t>06/09/2016</a:t>
+              <a:t>08/09/2016</a:t>
             </a:fld>
             <a:endParaRPr lang="fr-FR"/>
           </a:p>
@@ -13199,7 +13199,7 @@
           <a:p>
             <a:fld id="{CAB7DE5C-EB14-422A-BAF5-085EC2B9B46E}" type="datetimeFigureOut">
               <a:rPr lang="fr-FR" smtClean="0"/>
-              <a:t>06/09/2016</a:t>
+              <a:t>08/09/2016</a:t>
             </a:fld>
             <a:endParaRPr lang="fr-FR"/>
           </a:p>
@@ -13566,7 +13566,7 @@
           <a:p>
             <a:fld id="{CAB7DE5C-EB14-422A-BAF5-085EC2B9B46E}" type="datetimeFigureOut">
               <a:rPr lang="fr-FR" smtClean="0"/>
-              <a:t>06/09/2016</a:t>
+              <a:t>08/09/2016</a:t>
             </a:fld>
             <a:endParaRPr lang="fr-FR"/>
           </a:p>
@@ -13684,7 +13684,7 @@
           <a:p>
             <a:fld id="{CAB7DE5C-EB14-422A-BAF5-085EC2B9B46E}" type="datetimeFigureOut">
               <a:rPr lang="fr-FR" smtClean="0"/>
-              <a:t>06/09/2016</a:t>
+              <a:t>08/09/2016</a:t>
             </a:fld>
             <a:endParaRPr lang="fr-FR"/>
           </a:p>
@@ -13779,7 +13779,7 @@
           <a:p>
             <a:fld id="{CAB7DE5C-EB14-422A-BAF5-085EC2B9B46E}" type="datetimeFigureOut">
               <a:rPr lang="fr-FR" smtClean="0"/>
-              <a:t>06/09/2016</a:t>
+              <a:t>08/09/2016</a:t>
             </a:fld>
             <a:endParaRPr lang="fr-FR"/>
           </a:p>
@@ -14056,7 +14056,7 @@
           <a:p>
             <a:fld id="{CAB7DE5C-EB14-422A-BAF5-085EC2B9B46E}" type="datetimeFigureOut">
               <a:rPr lang="fr-FR" smtClean="0"/>
-              <a:t>06/09/2016</a:t>
+              <a:t>08/09/2016</a:t>
             </a:fld>
             <a:endParaRPr lang="fr-FR"/>
           </a:p>
@@ -14309,7 +14309,7 @@
           <a:p>
             <a:fld id="{CAB7DE5C-EB14-422A-BAF5-085EC2B9B46E}" type="datetimeFigureOut">
               <a:rPr lang="fr-FR" smtClean="0"/>
-              <a:t>06/09/2016</a:t>
+              <a:t>08/09/2016</a:t>
             </a:fld>
             <a:endParaRPr lang="fr-FR"/>
           </a:p>
@@ -14719,7 +14719,7 @@
           <a:p>
             <a:fld id="{CAB7DE5C-EB14-422A-BAF5-085EC2B9B46E}" type="datetimeFigureOut">
               <a:rPr lang="fr-FR" smtClean="0"/>
-              <a:t>06/09/2016</a:t>
+              <a:t>08/09/2016</a:t>
             </a:fld>
             <a:endParaRPr lang="fr-FR"/>
           </a:p>
@@ -14899,7 +14899,7 @@
           <a:p>
             <a:fld id="{CAB7DE5C-EB14-422A-BAF5-085EC2B9B46E}" type="datetimeFigureOut">
               <a:rPr lang="fr-FR" smtClean="0"/>
-              <a:t>06/09/2016</a:t>
+              <a:t>08/09/2016</a:t>
             </a:fld>
             <a:endParaRPr lang="fr-FR"/>
           </a:p>
@@ -41827,7 +41827,7 @@
           <a:p>
             <a:fld id="{CAB7DE5C-EB14-422A-BAF5-085EC2B9B46E}" type="datetimeFigureOut">
               <a:rPr lang="fr-FR" smtClean="0"/>
-              <a:t>06/09/2016</a:t>
+              <a:t>08/09/2016</a:t>
             </a:fld>
             <a:endParaRPr lang="fr-FR"/>
           </a:p>
@@ -45876,12 +45876,20 @@
               <a:t>Yahoo </a:t>
             </a:r>
             <a:r>
-              <a:rPr lang="it-IT" sz="2000" dirty="0" err="1"/>
+              <a:rPr lang="it-IT" sz="2000" dirty="0" smtClean="0"/>
+              <a:t>Pulsar: </a:t>
+            </a:r>
+            <a:r>
+              <a:rPr lang="it-IT" sz="2000" dirty="0" err="1" smtClean="0"/>
               <a:t>Cloud</a:t>
             </a:r>
             <a:r>
+              <a:rPr lang="it-IT" sz="2000" dirty="0" smtClean="0"/>
+              <a:t> </a:t>
+            </a:r>
+            <a:r>
               <a:rPr lang="it-IT" sz="2000" dirty="0"/>
-              <a:t> Messaging</a:t>
+              <a:t>Messaging</a:t>
             </a:r>
           </a:p>
           <a:p>
@@ -45915,22 +45923,22 @@
             </a:r>
             <a:r>
               <a:rPr lang="it-IT" sz="2000" dirty="0"/>
-              <a:t> – WAL</a:t>
+              <a:t> – </a:t>
+            </a:r>
+            <a:r>
+              <a:rPr lang="it-IT" sz="2000" dirty="0" smtClean="0"/>
+              <a:t>WAL</a:t>
             </a:r>
           </a:p>
           <a:p>
             <a:pPr marL="628650" lvl="1" indent="-285750"/>
             <a:r>
+              <a:rPr lang="it-IT" sz="2000" dirty="0" smtClean="0"/>
+              <a:t>Diennea </a:t>
+            </a:r>
+            <a:r>
               <a:rPr lang="it-IT" sz="2000" dirty="0"/>
-              <a:t>Diennea – </a:t>
-            </a:r>
-            <a:r>
-              <a:rPr lang="it-IT" sz="2000" dirty="0" err="1"/>
-              <a:t>Majordodo</a:t>
-            </a:r>
-            <a:r>
-              <a:rPr lang="it-IT" sz="2000" dirty="0"/>
-              <a:t>/</a:t>
+              <a:t>– Majordodo/</a:t>
             </a:r>
             <a:r>
               <a:rPr lang="it-IT" sz="2000" dirty="0" err="1"/>
@@ -46257,31 +46265,6 @@
           <a:chExt cx="0" cy="0"/>
         </a:xfrm>
       </p:grpSpPr>
-      <p:pic>
-        <p:nvPicPr>
-          <p:cNvPr id="30" name="Segnaposto immagine 29"/>
-          <p:cNvPicPr>
-            <a:picLocks noGrp="1" noChangeAspect="1"/>
-          </p:cNvPicPr>
-          <p:nvPr>
-            <p:ph type="pic" sz="quarter" idx="12"/>
-          </p:nvPr>
-        </p:nvPicPr>
-        <p:blipFill>
-          <a:blip r:embed="rId2">
-            <a:extLst>
-              <a:ext uri="{28A0092B-C50C-407E-A947-70E740481C1C}">
-                <a14:useLocalDpi xmlns:a14="http://schemas.microsoft.com/office/drawing/2010/main" val="0"/>
-              </a:ext>
-            </a:extLst>
-          </a:blip>
-          <a:srcRect/>
-          <a:stretch>
-            <a:fillRect/>
-          </a:stretch>
-        </p:blipFill>
-        <p:spPr/>
-      </p:pic>
       <p:sp>
         <p:nvSpPr>
           <p:cNvPr id="28" name="Segnaposto testo 27"/>
@@ -46301,7 +46284,7 @@
             <a:r>
               <a:rPr lang="it-IT" sz="1200" dirty="0" smtClean="0">
                 <a:latin typeface="+mj-lt"/>
-                <a:hlinkClick r:id="rId3"/>
+                <a:hlinkClick r:id="rId2"/>
               </a:rPr>
               <a:t>enrico.olivelli@diennea.com</a:t>
             </a:r>
@@ -46437,54 +46420,6 @@
             <a:endParaRPr lang="it-IT" sz="1200" dirty="0">
               <a:latin typeface="+mj-lt"/>
             </a:endParaRPr>
-          </a:p>
-        </p:txBody>
-      </p:sp>
-      <p:sp>
-        <p:nvSpPr>
-          <p:cNvPr id="29" name="Segnaposto testo 28"/>
-          <p:cNvSpPr>
-            <a:spLocks noGrp="1"/>
-          </p:cNvSpPr>
-          <p:nvPr>
-            <p:ph type="body" sz="quarter" idx="4294967295"/>
-          </p:nvPr>
-        </p:nvSpPr>
-        <p:spPr>
-          <a:xfrm>
-            <a:off x="766473" y="3448050"/>
-            <a:ext cx="3267655" cy="627063"/>
-          </a:xfrm>
-          <a:prstGeom prst="rect">
-            <a:avLst/>
-          </a:prstGeom>
-        </p:spPr>
-        <p:txBody>
-          <a:bodyPr/>
-          <a:lstStyle/>
-          <a:p>
-            <a:pPr marL="0" indent="0" algn="ctr">
-              <a:buNone/>
-            </a:pPr>
-            <a:r>
-              <a:rPr lang="it-IT" b="1" dirty="0" smtClean="0"/>
-              <a:t>Enrico Olivelli</a:t>
-            </a:r>
-          </a:p>
-          <a:p>
-            <a:pPr marL="0" lvl="0" indent="0" algn="ctr">
-              <a:buNone/>
-            </a:pPr>
-            <a:r>
-              <a:rPr lang="it-IT" sz="1200" dirty="0"/>
-              <a:t>Development Manager @Diennea</a:t>
-            </a:r>
-          </a:p>
-          <a:p>
-            <a:pPr marL="0" indent="0" algn="ctr">
-              <a:buNone/>
-            </a:pPr>
-            <a:endParaRPr lang="it-IT" dirty="0"/>
           </a:p>
         </p:txBody>
       </p:sp>
